--- a/2024/Lec/Юнит 12 - модели ARIMA.pptx
+++ b/2024/Lec/Юнит 12 - модели ARIMA.pptx
@@ -5,7 +5,7 @@
     <p:sldMasterId id="2147483648" r:id="rId1"/>
   </p:sldMasterIdLst>
   <p:notesMasterIdLst>
-    <p:notesMasterId r:id="rId18"/>
+    <p:notesMasterId r:id="rId16"/>
   </p:notesMasterIdLst>
   <p:sldIdLst>
     <p:sldId id="352" r:id="rId2"/>
@@ -22,8 +22,6 @@
     <p:sldId id="363" r:id="rId13"/>
     <p:sldId id="364" r:id="rId14"/>
     <p:sldId id="365" r:id="rId15"/>
-    <p:sldId id="388" r:id="rId16"/>
-    <p:sldId id="389" r:id="rId17"/>
   </p:sldIdLst>
   <p:sldSz cx="12192000" cy="6858000"/>
   <p:notesSz cx="6858000" cy="9144000"/>
@@ -212,7 +210,7 @@
           <a:p>
             <a:fld id="{C730246F-5962-E14A-AAF2-985CCFDAC345}" type="datetimeFigureOut">
               <a:rPr lang="ru-RU" smtClean="0"/>
-              <a:t>05.10.2023</a:t>
+              <a:t>28.02.2024</a:t>
             </a:fld>
             <a:endParaRPr lang="ru-RU"/>
           </a:p>
@@ -628,7 +626,7 @@
           <a:p>
             <a:fld id="{44343DC6-30E4-4569-999A-C703F926F2AF}" type="datetimeFigureOut">
               <a:rPr lang="en-US" smtClean="0"/>
-              <a:t>10/5/2023</a:t>
+              <a:t>2/28/2024</a:t>
             </a:fld>
             <a:endParaRPr lang="en-US"/>
           </a:p>
@@ -828,7 +826,7 @@
           <a:p>
             <a:fld id="{44343DC6-30E4-4569-999A-C703F926F2AF}" type="datetimeFigureOut">
               <a:rPr lang="en-US" smtClean="0"/>
-              <a:t>10/5/2023</a:t>
+              <a:t>2/28/2024</a:t>
             </a:fld>
             <a:endParaRPr lang="en-US"/>
           </a:p>
@@ -1038,7 +1036,7 @@
           <a:p>
             <a:fld id="{44343DC6-30E4-4569-999A-C703F926F2AF}" type="datetimeFigureOut">
               <a:rPr lang="en-US" smtClean="0"/>
-              <a:t>10/5/2023</a:t>
+              <a:t>2/28/2024</a:t>
             </a:fld>
             <a:endParaRPr lang="en-US"/>
           </a:p>
@@ -1238,7 +1236,7 @@
           <a:p>
             <a:fld id="{44343DC6-30E4-4569-999A-C703F926F2AF}" type="datetimeFigureOut">
               <a:rPr lang="en-US" smtClean="0"/>
-              <a:t>10/5/2023</a:t>
+              <a:t>2/28/2024</a:t>
             </a:fld>
             <a:endParaRPr lang="en-US"/>
           </a:p>
@@ -1514,7 +1512,7 @@
           <a:p>
             <a:fld id="{44343DC6-30E4-4569-999A-C703F926F2AF}" type="datetimeFigureOut">
               <a:rPr lang="en-US" smtClean="0"/>
-              <a:t>10/5/2023</a:t>
+              <a:t>2/28/2024</a:t>
             </a:fld>
             <a:endParaRPr lang="en-US"/>
           </a:p>
@@ -1782,7 +1780,7 @@
           <a:p>
             <a:fld id="{44343DC6-30E4-4569-999A-C703F926F2AF}" type="datetimeFigureOut">
               <a:rPr lang="en-US" smtClean="0"/>
-              <a:t>10/5/2023</a:t>
+              <a:t>2/28/2024</a:t>
             </a:fld>
             <a:endParaRPr lang="en-US"/>
           </a:p>
@@ -2197,7 +2195,7 @@
           <a:p>
             <a:fld id="{44343DC6-30E4-4569-999A-C703F926F2AF}" type="datetimeFigureOut">
               <a:rPr lang="en-US" smtClean="0"/>
-              <a:t>10/5/2023</a:t>
+              <a:t>2/28/2024</a:t>
             </a:fld>
             <a:endParaRPr lang="en-US"/>
           </a:p>
@@ -2339,7 +2337,7 @@
           <a:p>
             <a:fld id="{44343DC6-30E4-4569-999A-C703F926F2AF}" type="datetimeFigureOut">
               <a:rPr lang="en-US" smtClean="0"/>
-              <a:t>10/5/2023</a:t>
+              <a:t>2/28/2024</a:t>
             </a:fld>
             <a:endParaRPr lang="en-US"/>
           </a:p>
@@ -2452,7 +2450,7 @@
           <a:p>
             <a:fld id="{44343DC6-30E4-4569-999A-C703F926F2AF}" type="datetimeFigureOut">
               <a:rPr lang="en-US" smtClean="0"/>
-              <a:t>10/5/2023</a:t>
+              <a:t>2/28/2024</a:t>
             </a:fld>
             <a:endParaRPr lang="en-US"/>
           </a:p>
@@ -2765,7 +2763,7 @@
           <a:p>
             <a:fld id="{44343DC6-30E4-4569-999A-C703F926F2AF}" type="datetimeFigureOut">
               <a:rPr lang="en-US" smtClean="0"/>
-              <a:t>10/5/2023</a:t>
+              <a:t>2/28/2024</a:t>
             </a:fld>
             <a:endParaRPr lang="en-US"/>
           </a:p>
@@ -3054,7 +3052,7 @@
           <a:p>
             <a:fld id="{44343DC6-30E4-4569-999A-C703F926F2AF}" type="datetimeFigureOut">
               <a:rPr lang="en-US" smtClean="0"/>
-              <a:t>10/5/2023</a:t>
+              <a:t>2/28/2024</a:t>
             </a:fld>
             <a:endParaRPr lang="en-US"/>
           </a:p>
@@ -3297,7 +3295,7 @@
           <a:p>
             <a:fld id="{44343DC6-30E4-4569-999A-C703F926F2AF}" type="datetimeFigureOut">
               <a:rPr lang="en-US" smtClean="0"/>
-              <a:t>10/5/2023</a:t>
+              <a:t>2/28/2024</a:t>
             </a:fld>
             <a:endParaRPr lang="en-US"/>
           </a:p>
@@ -4766,7 +4764,15 @@
             </a:r>
             <a:r>
               <a:rPr lang="en-US" dirty="0"/>
-              <a:t>  Для стационарной последовательной автокорреляционной функции (АКФ) график довольно быстро затухает до нуля или ниже.</a:t>
+              <a:t>  Для стационарной последовательной автокорреляционной функции (АКФ) график довольно быстро затухает до нуля или </a:t>
+            </a:r>
+            <a:r>
+              <a:rPr lang="en-US" dirty="0" err="1"/>
+              <a:t>ниже</a:t>
+            </a:r>
+            <a:r>
+              <a:rPr lang="en-US" dirty="0" smtClean="0"/>
+              <a:t>.</a:t>
             </a:r>
           </a:p>
           <a:p>
@@ -4779,101 +4785,266 @@
               </a:spcBef>
             </a:pPr>
             <a:r>
-              <a:rPr lang="en-US" dirty="0"/>
+              <a:rPr lang="en-US" dirty="0" smtClean="0"/>
               <a:t> </a:t>
             </a:r>
             <a:r>
-              <a:rPr lang="en-US" b="1" dirty="0"/>
-              <a:t>Расширенный </a:t>
-            </a:r>
-            <a:r>
-              <a:rPr lang="en-US" b="1" dirty="0" err="1"/>
+              <a:rPr lang="en-US" b="1" dirty="0" err="1" smtClean="0"/>
+              <a:t>Расширенный</a:t>
+            </a:r>
+            <a:r>
+              <a:rPr lang="en-US" b="1" dirty="0" smtClean="0"/>
+              <a:t> </a:t>
+            </a:r>
+            <a:r>
+              <a:rPr lang="en-US" b="1" dirty="0" err="1" smtClean="0"/>
               <a:t>тест</a:t>
             </a:r>
             <a:r>
-              <a:rPr lang="en-US" b="1" dirty="0"/>
+              <a:rPr lang="en-US" b="1" dirty="0" smtClean="0"/>
               <a:t> </a:t>
             </a:r>
             <a:r>
-              <a:rPr lang="en-US" b="1" dirty="0" err="1"/>
+              <a:rPr lang="en-US" b="1" dirty="0" err="1" smtClean="0"/>
               <a:t>Дики-Фуллера</a:t>
             </a:r>
             <a:r>
-              <a:rPr lang="ru-RU" b="1" dirty="0"/>
+              <a:rPr lang="ru-RU" b="1" dirty="0" smtClean="0"/>
               <a:t> (</a:t>
             </a:r>
             <a:r>
-              <a:rPr lang="en-US" b="1" dirty="0"/>
+              <a:rPr lang="en-US" b="1" dirty="0" smtClean="0"/>
               <a:t>Augmented Dickey-Fuller Test,</a:t>
             </a:r>
             <a:r>
-              <a:rPr lang="ru-RU" b="1" dirty="0"/>
+              <a:rPr lang="ru-RU" b="1" dirty="0" smtClean="0"/>
               <a:t> </a:t>
             </a:r>
             <a:r>
-              <a:rPr lang="en-US" b="1" dirty="0"/>
+              <a:rPr lang="en-US" b="1" dirty="0" smtClean="0"/>
               <a:t>ADF</a:t>
             </a:r>
             <a:r>
-              <a:rPr lang="ru-RU" b="1" dirty="0"/>
+              <a:rPr lang="ru-RU" b="1" dirty="0" smtClean="0"/>
               <a:t>)</a:t>
             </a:r>
             <a:r>
-              <a:rPr lang="en-US" dirty="0"/>
-              <a:t>: Временной ряд считается стационарным по </a:t>
-            </a:r>
-            <a:r>
-              <a:rPr lang="en-US" dirty="0" err="1"/>
+              <a:rPr lang="en-US" dirty="0" smtClean="0"/>
+              <a:t>: </a:t>
+            </a:r>
+            <a:r>
+              <a:rPr lang="en-US" dirty="0" err="1" smtClean="0"/>
+              <a:t>Временной</a:t>
+            </a:r>
+            <a:r>
+              <a:rPr lang="en-US" dirty="0" smtClean="0"/>
+              <a:t> </a:t>
+            </a:r>
+            <a:r>
+              <a:rPr lang="en-US" dirty="0" err="1" smtClean="0"/>
+              <a:t>ряд</a:t>
+            </a:r>
+            <a:r>
+              <a:rPr lang="en-US" dirty="0" smtClean="0"/>
+              <a:t> </a:t>
+            </a:r>
+            <a:r>
+              <a:rPr lang="en-US" dirty="0" err="1" smtClean="0"/>
+              <a:t>считается</a:t>
+            </a:r>
+            <a:r>
+              <a:rPr lang="en-US" dirty="0" smtClean="0"/>
+              <a:t> </a:t>
+            </a:r>
+            <a:r>
+              <a:rPr lang="en-US" dirty="0" err="1" smtClean="0"/>
+              <a:t>стационарным</a:t>
+            </a:r>
+            <a:r>
+              <a:rPr lang="en-US" dirty="0" smtClean="0"/>
+              <a:t> </a:t>
+            </a:r>
+            <a:r>
+              <a:rPr lang="en-US" dirty="0" err="1" smtClean="0"/>
+              <a:t>по</a:t>
+            </a:r>
+            <a:r>
+              <a:rPr lang="en-US" dirty="0" smtClean="0"/>
+              <a:t> </a:t>
+            </a:r>
+            <a:r>
+              <a:rPr lang="en-US" dirty="0" err="1" smtClean="0"/>
               <a:t>определенному</a:t>
             </a:r>
             <a:r>
-              <a:rPr lang="en-US" dirty="0"/>
+              <a:rPr lang="en-US" dirty="0" smtClean="0"/>
               <a:t> </a:t>
             </a:r>
             <a:r>
-              <a:rPr lang="en-US" dirty="0" err="1"/>
+              <a:rPr lang="en-US" dirty="0" err="1" smtClean="0"/>
               <a:t>критерию</a:t>
             </a:r>
             <a:r>
-              <a:rPr lang="en-US" dirty="0"/>
+              <a:rPr lang="en-US" dirty="0" smtClean="0"/>
               <a:t>, </a:t>
             </a:r>
             <a:r>
-              <a:rPr lang="ru-RU" dirty="0"/>
+              <a:rPr lang="ru-RU" dirty="0" smtClean="0"/>
               <a:t>связанному с единичной окружностью на </a:t>
             </a:r>
             <a:r>
-              <a:rPr lang="en-US" dirty="0"/>
+              <a:rPr lang="en-US" dirty="0" smtClean="0"/>
               <a:t>z </a:t>
             </a:r>
             <a:r>
-              <a:rPr lang="ru-RU" dirty="0"/>
+              <a:rPr lang="ru-RU" dirty="0" smtClean="0"/>
               <a:t>плоскости. При расчете критерия</a:t>
             </a:r>
             <a:r>
-              <a:rPr lang="en-US" dirty="0"/>
-              <a:t> также </a:t>
-            </a:r>
-            <a:r>
-              <a:rPr lang="en-US" dirty="0" err="1"/>
+              <a:rPr lang="en-US" dirty="0" smtClean="0"/>
+              <a:t> </a:t>
+            </a:r>
+            <a:r>
+              <a:rPr lang="en-US" dirty="0" err="1" smtClean="0"/>
+              <a:t>также</a:t>
+            </a:r>
+            <a:r>
+              <a:rPr lang="en-US" dirty="0" smtClean="0"/>
+              <a:t> </a:t>
+            </a:r>
+            <a:r>
+              <a:rPr lang="en-US" dirty="0" err="1" smtClean="0"/>
               <a:t>вычисляется</a:t>
             </a:r>
             <a:r>
-              <a:rPr lang="en-US" dirty="0"/>
+              <a:rPr lang="en-US" dirty="0" smtClean="0"/>
               <a:t> p-</a:t>
             </a:r>
             <a:r>
-              <a:rPr lang="en-US" dirty="0" err="1"/>
+              <a:rPr lang="en-US" dirty="0" err="1" smtClean="0"/>
               <a:t>значение</a:t>
             </a:r>
             <a:r>
-              <a:rPr lang="ru-RU" dirty="0"/>
+              <a:rPr lang="ru-RU" dirty="0" smtClean="0"/>
               <a:t> (статистическая значимость)</a:t>
             </a:r>
             <a:r>
-              <a:rPr lang="en-US" dirty="0"/>
-              <a:t>. Если значение p низкое (согласно нулевой гипотезе) и критические значения при доверительных интервалах 1%, 5%, 10% максимально близки к статистике ADF.</a:t>
-            </a:r>
+              <a:rPr lang="en-US" dirty="0" smtClean="0"/>
+              <a:t>. </a:t>
+            </a:r>
+            <a:r>
+              <a:rPr lang="en-US" dirty="0" err="1" smtClean="0"/>
+              <a:t>Если</a:t>
+            </a:r>
+            <a:r>
+              <a:rPr lang="en-US" dirty="0" smtClean="0"/>
+              <a:t> </a:t>
+            </a:r>
+            <a:r>
+              <a:rPr lang="en-US" dirty="0" err="1" smtClean="0"/>
+              <a:t>значение</a:t>
+            </a:r>
+            <a:r>
+              <a:rPr lang="en-US" dirty="0" smtClean="0"/>
+              <a:t> p </a:t>
+            </a:r>
+            <a:r>
+              <a:rPr lang="en-US" dirty="0" err="1" smtClean="0"/>
+              <a:t>низкое</a:t>
+            </a:r>
+            <a:r>
+              <a:rPr lang="en-US" dirty="0" smtClean="0"/>
+              <a:t> (</a:t>
+            </a:r>
+            <a:r>
+              <a:rPr lang="en-US" dirty="0" err="1" smtClean="0"/>
+              <a:t>согласно</a:t>
+            </a:r>
+            <a:r>
+              <a:rPr lang="en-US" dirty="0" smtClean="0"/>
+              <a:t> </a:t>
+            </a:r>
+            <a:r>
+              <a:rPr lang="en-US" dirty="0" err="1" smtClean="0"/>
+              <a:t>нулевой</a:t>
+            </a:r>
+            <a:r>
+              <a:rPr lang="en-US" dirty="0" smtClean="0"/>
+              <a:t> </a:t>
+            </a:r>
+            <a:r>
+              <a:rPr lang="en-US" dirty="0" err="1" smtClean="0"/>
+              <a:t>гипотезе</a:t>
+            </a:r>
+            <a:r>
+              <a:rPr lang="en-US" dirty="0" smtClean="0"/>
+              <a:t>) и </a:t>
+            </a:r>
+            <a:r>
+              <a:rPr lang="en-US" dirty="0" err="1" smtClean="0"/>
+              <a:t>критические</a:t>
+            </a:r>
+            <a:r>
+              <a:rPr lang="en-US" dirty="0" smtClean="0"/>
+              <a:t> </a:t>
+            </a:r>
+            <a:r>
+              <a:rPr lang="en-US" dirty="0" err="1" smtClean="0"/>
+              <a:t>значения</a:t>
+            </a:r>
+            <a:r>
+              <a:rPr lang="en-US" dirty="0" smtClean="0"/>
+              <a:t> </a:t>
+            </a:r>
+            <a:r>
+              <a:rPr lang="en-US" dirty="0" err="1" smtClean="0"/>
+              <a:t>при</a:t>
+            </a:r>
+            <a:r>
+              <a:rPr lang="en-US" dirty="0" smtClean="0"/>
+              <a:t> </a:t>
+            </a:r>
+            <a:r>
+              <a:rPr lang="en-US" dirty="0" err="1" smtClean="0"/>
+              <a:t>доверительных</a:t>
+            </a:r>
+            <a:r>
+              <a:rPr lang="en-US" dirty="0" smtClean="0"/>
+              <a:t> </a:t>
+            </a:r>
+            <a:r>
+              <a:rPr lang="en-US" dirty="0" err="1" smtClean="0"/>
+              <a:t>интервалах</a:t>
+            </a:r>
+            <a:r>
+              <a:rPr lang="en-US" dirty="0" smtClean="0"/>
+              <a:t> 1%, 5%, 10% </a:t>
+            </a:r>
+            <a:r>
+              <a:rPr lang="ru-RU" dirty="0" smtClean="0"/>
+              <a:t>выше порога</a:t>
+            </a:r>
+            <a:r>
+              <a:rPr lang="en-US" dirty="0" smtClean="0"/>
+              <a:t> к </a:t>
+            </a:r>
+            <a:r>
+              <a:rPr lang="en-US" dirty="0" err="1" smtClean="0"/>
+              <a:t>статистик</a:t>
+            </a:r>
+            <a:r>
+              <a:rPr lang="ru-RU" dirty="0" smtClean="0"/>
+              <a:t>и</a:t>
+            </a:r>
+            <a:r>
+              <a:rPr lang="en-US" dirty="0" smtClean="0"/>
+              <a:t> ADF</a:t>
+            </a:r>
+            <a:r>
+              <a:rPr lang="ru-RU" dirty="0" smtClean="0"/>
+              <a:t>, то ряд стационарен</a:t>
+            </a:r>
+            <a:endParaRPr lang="en-US" dirty="0" smtClean="0"/>
           </a:p>
           <a:p>
             <a:pPr lvl="1">
@@ -4885,37 +5056,174 @@
               </a:spcBef>
             </a:pPr>
             <a:r>
-              <a:rPr lang="en-US" b="1" dirty="0"/>
-              <a:t>Тест Квятковского – Филлипса – Шмидта – Шина (KPSS)</a:t>
-            </a:r>
-            <a:r>
-              <a:rPr lang="en-US" dirty="0"/>
-              <a:t> который также является </a:t>
-            </a:r>
-            <a:r>
-              <a:rPr lang="en-US" dirty="0" err="1"/>
+              <a:rPr lang="en-US" b="1" dirty="0" err="1" smtClean="0"/>
+              <a:t>Тест</a:t>
+            </a:r>
+            <a:r>
+              <a:rPr lang="en-US" b="1" dirty="0" smtClean="0"/>
+              <a:t> </a:t>
+            </a:r>
+            <a:r>
+              <a:rPr lang="en-US" b="1" dirty="0" err="1" smtClean="0"/>
+              <a:t>Квятковского</a:t>
+            </a:r>
+            <a:r>
+              <a:rPr lang="en-US" b="1" dirty="0" smtClean="0"/>
+              <a:t> – </a:t>
+            </a:r>
+            <a:r>
+              <a:rPr lang="en-US" b="1" dirty="0" err="1" smtClean="0"/>
+              <a:t>Филлипса</a:t>
+            </a:r>
+            <a:r>
+              <a:rPr lang="en-US" b="1" dirty="0" smtClean="0"/>
+              <a:t> – </a:t>
+            </a:r>
+            <a:r>
+              <a:rPr lang="en-US" b="1" dirty="0" err="1" smtClean="0"/>
+              <a:t>Шмидта</a:t>
+            </a:r>
+            <a:r>
+              <a:rPr lang="en-US" b="1" dirty="0" smtClean="0"/>
+              <a:t> – </a:t>
+            </a:r>
+            <a:r>
+              <a:rPr lang="en-US" b="1" dirty="0" err="1" smtClean="0"/>
+              <a:t>Шина</a:t>
+            </a:r>
+            <a:r>
+              <a:rPr lang="en-US" b="1" dirty="0" smtClean="0"/>
+              <a:t> (KPSS)</a:t>
+            </a:r>
+            <a:r>
+              <a:rPr lang="en-US" dirty="0" smtClean="0"/>
+              <a:t> </a:t>
+            </a:r>
+            <a:r>
+              <a:rPr lang="en-US" dirty="0" err="1" smtClean="0"/>
+              <a:t>который</a:t>
+            </a:r>
+            <a:r>
+              <a:rPr lang="en-US" dirty="0" smtClean="0"/>
+              <a:t> </a:t>
+            </a:r>
+            <a:r>
+              <a:rPr lang="en-US" dirty="0" err="1" smtClean="0"/>
+              <a:t>также</a:t>
+            </a:r>
+            <a:r>
+              <a:rPr lang="en-US" dirty="0" smtClean="0"/>
+              <a:t> </a:t>
+            </a:r>
+            <a:r>
+              <a:rPr lang="en-US" dirty="0" err="1" smtClean="0"/>
+              <a:t>является</a:t>
+            </a:r>
+            <a:r>
+              <a:rPr lang="en-US" dirty="0" smtClean="0"/>
+              <a:t> </a:t>
+            </a:r>
+            <a:r>
+              <a:rPr lang="en-US" dirty="0" err="1" smtClean="0"/>
               <a:t>тестом</a:t>
             </a:r>
             <a:r>
-              <a:rPr lang="en-US" dirty="0"/>
+              <a:rPr lang="en-US" dirty="0" smtClean="0"/>
               <a:t> </a:t>
             </a:r>
             <a:r>
-              <a:rPr lang="ru-RU" dirty="0"/>
+              <a:rPr lang="ru-RU" dirty="0" smtClean="0"/>
               <a:t>единичной окружности </a:t>
             </a:r>
             <a:r>
-              <a:rPr lang="en-US" dirty="0"/>
+              <a:rPr lang="en-US" dirty="0" smtClean="0"/>
               <a:t>z </a:t>
             </a:r>
             <a:r>
-              <a:rPr lang="ru-RU" dirty="0"/>
+              <a:rPr lang="ru-RU" dirty="0" smtClean="0"/>
               <a:t>плоскости</a:t>
             </a:r>
             <a:r>
-              <a:rPr lang="en-US" dirty="0"/>
-              <a:t>, но отличается от ADF в случае детерминированного тренда с точками перегиба.</a:t>
-            </a:r>
+              <a:rPr lang="en-US" dirty="0" smtClean="0"/>
+              <a:t>, </a:t>
+            </a:r>
+            <a:r>
+              <a:rPr lang="en-US" dirty="0" err="1" smtClean="0"/>
+              <a:t>но</a:t>
+            </a:r>
+            <a:r>
+              <a:rPr lang="en-US" dirty="0" smtClean="0"/>
+              <a:t> </a:t>
+            </a:r>
+            <a:r>
+              <a:rPr lang="en-US" dirty="0" err="1" smtClean="0"/>
+              <a:t>отличается</a:t>
+            </a:r>
+            <a:r>
+              <a:rPr lang="en-US" dirty="0" smtClean="0"/>
+              <a:t> </a:t>
+            </a:r>
+            <a:r>
+              <a:rPr lang="en-US" dirty="0" err="1" smtClean="0"/>
+              <a:t>от</a:t>
+            </a:r>
+            <a:r>
+              <a:rPr lang="en-US" dirty="0" smtClean="0"/>
+              <a:t> ADF в </a:t>
+            </a:r>
+            <a:r>
+              <a:rPr lang="en-US" dirty="0" err="1" smtClean="0"/>
+              <a:t>случае</a:t>
+            </a:r>
+            <a:r>
+              <a:rPr lang="en-US" dirty="0" smtClean="0"/>
+              <a:t> </a:t>
+            </a:r>
+            <a:r>
+              <a:rPr lang="ru-RU" dirty="0" smtClean="0"/>
+              <a:t>как случайного, так и </a:t>
+            </a:r>
+            <a:r>
+              <a:rPr lang="en-US" dirty="0" err="1" smtClean="0"/>
+              <a:t>детерминированного</a:t>
+            </a:r>
+            <a:r>
+              <a:rPr lang="en-US" dirty="0" smtClean="0"/>
+              <a:t> </a:t>
+            </a:r>
+            <a:r>
+              <a:rPr lang="en-US" dirty="0" err="1" smtClean="0"/>
+              <a:t>тренда</a:t>
+            </a:r>
+            <a:r>
+              <a:rPr lang="en-US" dirty="0" smtClean="0"/>
+              <a:t> с </a:t>
+            </a:r>
+            <a:r>
+              <a:rPr lang="en-US" dirty="0" err="1" smtClean="0"/>
+              <a:t>точками</a:t>
+            </a:r>
+            <a:r>
+              <a:rPr lang="en-US" dirty="0" smtClean="0"/>
+              <a:t> </a:t>
+            </a:r>
+            <a:r>
+              <a:rPr lang="en-US" dirty="0" err="1" smtClean="0"/>
+              <a:t>перегиба</a:t>
+            </a:r>
+            <a:r>
+              <a:rPr lang="en-US" dirty="0" smtClean="0"/>
+              <a:t>.</a:t>
+            </a:r>
+            <a:r>
+              <a:rPr lang="ru-RU" dirty="0" smtClean="0"/>
+              <a:t> Нулевая гипотеза тут говорит </a:t>
+            </a:r>
+            <a:r>
+              <a:rPr lang="ru-RU" smtClean="0"/>
+              <a:t>о стационарности.</a:t>
+            </a:r>
+            <a:endParaRPr lang="en-US" dirty="0" smtClean="0"/>
           </a:p>
           <a:p>
             <a:pPr lvl="1">
@@ -5383,1397 +5691,6 @@
       </p:par>
     </p:tnLst>
   </p:timing>
-</p:sld>
-</file>
-
-<file path=ppt/slides/slide15.xml><?xml version="1.0" encoding="utf-8"?>
-<p:sld xmlns:a="http://schemas.openxmlformats.org/drawingml/2006/main" xmlns:r="http://schemas.openxmlformats.org/officeDocument/2006/relationships" xmlns:p="http://schemas.openxmlformats.org/presentationml/2006/main">
-  <p:cSld>
-    <p:spTree>
-      <p:nvGrpSpPr>
-        <p:cNvPr id="1" name=""/>
-        <p:cNvGrpSpPr/>
-        <p:nvPr/>
-      </p:nvGrpSpPr>
-      <p:grpSpPr>
-        <a:xfrm>
-          <a:off x="0" y="0"/>
-          <a:ext cx="0" cy="0"/>
-          <a:chOff x="0" y="0"/>
-          <a:chExt cx="0" cy="0"/>
-        </a:xfrm>
-      </p:grpSpPr>
-      <p:sp>
-        <p:nvSpPr>
-          <p:cNvPr id="2" name="Заголовок 1">
-            <a:extLst>
-              <a:ext uri="{FF2B5EF4-FFF2-40B4-BE49-F238E27FC236}">
-                <a16:creationId xmlns:a16="http://schemas.microsoft.com/office/drawing/2014/main" id="{E5E18C16-493F-C0F6-1226-B953C44BB2B9}"/>
-              </a:ext>
-            </a:extLst>
-          </p:cNvPr>
-          <p:cNvSpPr>
-            <a:spLocks noGrp="1"/>
-          </p:cNvSpPr>
-          <p:nvPr>
-            <p:ph type="title"/>
-          </p:nvPr>
-        </p:nvSpPr>
-        <p:spPr>
-          <a:xfrm>
-            <a:off x="425824" y="0"/>
-            <a:ext cx="10515600" cy="1325563"/>
-          </a:xfrm>
-        </p:spPr>
-        <p:txBody>
-          <a:bodyPr>
-            <a:normAutofit/>
-          </a:bodyPr>
-          <a:lstStyle/>
-          <a:p>
-            <a:r>
-              <a:rPr lang="ru-RU" sz="4800" b="1" dirty="0"/>
-              <a:t>Вопросы Базовые 1й верно</a:t>
-            </a:r>
-          </a:p>
-        </p:txBody>
-      </p:sp>
-      <p:sp>
-        <p:nvSpPr>
-          <p:cNvPr id="3" name="Объект 2">
-            <a:extLst>
-              <a:ext uri="{FF2B5EF4-FFF2-40B4-BE49-F238E27FC236}">
-                <a16:creationId xmlns:a16="http://schemas.microsoft.com/office/drawing/2014/main" id="{BE421393-E6D9-4C04-F323-217F01E33B93}"/>
-              </a:ext>
-            </a:extLst>
-          </p:cNvPr>
-          <p:cNvSpPr>
-            <a:spLocks noGrp="1"/>
-          </p:cNvSpPr>
-          <p:nvPr>
-            <p:ph idx="1"/>
-          </p:nvPr>
-        </p:nvSpPr>
-        <p:spPr>
-          <a:xfrm>
-            <a:off x="506506" y="1129096"/>
-            <a:ext cx="10515600" cy="5135887"/>
-          </a:xfrm>
-        </p:spPr>
-        <p:txBody>
-          <a:bodyPr>
-            <a:normAutofit fontScale="85000" lnSpcReduction="20000"/>
-          </a:bodyPr>
-          <a:lstStyle/>
-          <a:p>
-            <a:r>
-              <a:rPr lang="en-US" sz="2300" b="1" dirty="0">
-                <a:ea typeface="Calibri" panose="020F0502020204030204" pitchFamily="34" charset="0"/>
-                <a:cs typeface="Times New Roman" panose="02020603050405020304" pitchFamily="18" charset="0"/>
-              </a:rPr>
-              <a:t>ARIMA </a:t>
-            </a:r>
-            <a:r>
-              <a:rPr lang="ru-RU" sz="2300" b="1" dirty="0">
-                <a:ea typeface="Calibri" panose="020F0502020204030204" pitchFamily="34" charset="0"/>
-                <a:cs typeface="Times New Roman" panose="02020603050405020304" pitchFamily="18" charset="0"/>
-              </a:rPr>
-              <a:t>отличается от </a:t>
-            </a:r>
-            <a:r>
-              <a:rPr lang="en-US" sz="2300" b="1" dirty="0">
-                <a:ea typeface="Calibri" panose="020F0502020204030204" pitchFamily="34" charset="0"/>
-                <a:cs typeface="Times New Roman" panose="02020603050405020304" pitchFamily="18" charset="0"/>
-              </a:rPr>
-              <a:t>ARMA</a:t>
-            </a:r>
-            <a:r>
-              <a:rPr lang="ru-RU" sz="2300" b="1" dirty="0">
-                <a:ea typeface="Calibri" panose="020F0502020204030204" pitchFamily="34" charset="0"/>
-                <a:cs typeface="Times New Roman" panose="02020603050405020304" pitchFamily="18" charset="0"/>
-              </a:rPr>
-              <a:t> тем что</a:t>
-            </a:r>
-            <a:r>
-              <a:rPr lang="ru-RU" sz="2300" dirty="0">
-                <a:ea typeface="Calibri" panose="020F0502020204030204" pitchFamily="34" charset="0"/>
-                <a:cs typeface="Times New Roman" panose="02020603050405020304" pitchFamily="18" charset="0"/>
-              </a:rPr>
-              <a:t> Включает</a:t>
-            </a:r>
-          </a:p>
-          <a:p>
-            <a:pPr marL="514350" indent="-514350">
-              <a:buFont typeface="+mj-lt"/>
-              <a:buAutoNum type="arabicPeriod"/>
-            </a:pPr>
-            <a:r>
-              <a:rPr lang="ru-RU" sz="2300" dirty="0">
-                <a:ea typeface="Calibri" panose="020F0502020204030204" pitchFamily="34" charset="0"/>
-                <a:cs typeface="Times New Roman" panose="02020603050405020304" pitchFamily="18" charset="0"/>
-              </a:rPr>
-              <a:t>составляющую дифференцирования. </a:t>
-            </a:r>
-          </a:p>
-          <a:p>
-            <a:pPr marL="514350" indent="-514350">
-              <a:buFont typeface="+mj-lt"/>
-              <a:buAutoNum type="arabicPeriod"/>
-            </a:pPr>
-            <a:r>
-              <a:rPr lang="ru-RU" sz="2300" dirty="0">
-                <a:ea typeface="Calibri" panose="020F0502020204030204" pitchFamily="34" charset="0"/>
-                <a:cs typeface="Times New Roman" panose="02020603050405020304" pitchFamily="18" charset="0"/>
-              </a:rPr>
-              <a:t>составляющую интегрирования </a:t>
-            </a:r>
-          </a:p>
-          <a:p>
-            <a:pPr marL="514350" indent="-514350">
-              <a:buFont typeface="+mj-lt"/>
-              <a:buAutoNum type="arabicPeriod"/>
-            </a:pPr>
-            <a:r>
-              <a:rPr lang="ru-RU" sz="2300" dirty="0">
-                <a:ea typeface="Calibri" panose="020F0502020204030204" pitchFamily="34" charset="0"/>
-                <a:cs typeface="Times New Roman" panose="02020603050405020304" pitchFamily="18" charset="0"/>
-              </a:rPr>
-              <a:t>составляющую экзогенных факторов</a:t>
-            </a:r>
-          </a:p>
-          <a:p>
-            <a:pPr marL="514350" indent="-514350">
-              <a:buFont typeface="+mj-lt"/>
-              <a:buAutoNum type="arabicPeriod"/>
-            </a:pPr>
-            <a:r>
-              <a:rPr lang="ru-RU" sz="2300" dirty="0">
-                <a:ea typeface="Calibri" panose="020F0502020204030204" pitchFamily="34" charset="0"/>
-                <a:cs typeface="Times New Roman" panose="02020603050405020304" pitchFamily="18" charset="0"/>
-              </a:rPr>
-              <a:t>составляющую </a:t>
-            </a:r>
-            <a:r>
-              <a:rPr lang="ru-RU" sz="2300" dirty="0" err="1">
-                <a:ea typeface="Calibri" panose="020F0502020204030204" pitchFamily="34" charset="0"/>
-                <a:cs typeface="Times New Roman" panose="02020603050405020304" pitchFamily="18" charset="0"/>
-              </a:rPr>
-              <a:t>экспонециального</a:t>
-            </a:r>
-            <a:r>
-              <a:rPr lang="ru-RU" sz="2300" dirty="0">
-                <a:ea typeface="Calibri" panose="020F0502020204030204" pitchFamily="34" charset="0"/>
-                <a:cs typeface="Times New Roman" panose="02020603050405020304" pitchFamily="18" charset="0"/>
-              </a:rPr>
-              <a:t> сглаживания </a:t>
-            </a:r>
-          </a:p>
-          <a:p>
-            <a:r>
-              <a:rPr lang="en-US" sz="2400" b="1" dirty="0" err="1"/>
-              <a:t>В</a:t>
-            </a:r>
-            <a:r>
-              <a:rPr lang="ru-RU" sz="2400" b="1" dirty="0"/>
-              <a:t> записи </a:t>
-            </a:r>
-            <a:r>
-              <a:rPr lang="en-US" sz="2400" b="1" dirty="0"/>
-              <a:t>ARIMA(</a:t>
-            </a:r>
-            <a:r>
-              <a:rPr lang="en-US" sz="2400" b="1" dirty="0" err="1"/>
-              <a:t>p,d,q</a:t>
-            </a:r>
-            <a:r>
-              <a:rPr lang="en-US" sz="2400" b="1" dirty="0"/>
-              <a:t>) </a:t>
-            </a:r>
-            <a:r>
-              <a:rPr lang="ru-RU" sz="2400" b="1" dirty="0"/>
-              <a:t>что </a:t>
-            </a:r>
-            <a:r>
-              <a:rPr lang="ru-RU" sz="2400" b="1" dirty="0" err="1"/>
-              <a:t>являтся</a:t>
-            </a:r>
-            <a:r>
-              <a:rPr lang="ru-RU" sz="2400" b="1" dirty="0"/>
-              <a:t> чем</a:t>
-            </a:r>
-            <a:endParaRPr lang="ru-RU" sz="2300" b="1" dirty="0">
-              <a:ea typeface="Calibri" panose="020F0502020204030204" pitchFamily="34" charset="0"/>
-              <a:cs typeface="Times New Roman" panose="02020603050405020304" pitchFamily="18" charset="0"/>
-            </a:endParaRPr>
-          </a:p>
-          <a:p>
-            <a:pPr marL="514350" indent="-514350">
-              <a:buFont typeface="+mj-lt"/>
-              <a:buAutoNum type="arabicPeriod"/>
-            </a:pPr>
-            <a:r>
-              <a:rPr lang="en" sz="2000" dirty="0">
-                <a:ea typeface="Calibri" panose="020F0502020204030204" pitchFamily="34" charset="0"/>
-                <a:cs typeface="Times New Roman" panose="02020603050405020304" pitchFamily="18" charset="0"/>
-              </a:rPr>
-              <a:t>P</a:t>
-            </a:r>
-            <a:r>
-              <a:rPr lang="en-US" sz="2000" dirty="0">
-                <a:ea typeface="Calibri" panose="020F0502020204030204" pitchFamily="34" charset="0"/>
-                <a:cs typeface="Times New Roman" panose="02020603050405020304" pitchFamily="18" charset="0"/>
-              </a:rPr>
-              <a:t> – AR, d – </a:t>
-            </a:r>
-            <a:r>
-              <a:rPr lang="ru-RU" sz="2000" dirty="0">
-                <a:ea typeface="Calibri" panose="020F0502020204030204" pitchFamily="34" charset="0"/>
-                <a:cs typeface="Times New Roman" panose="02020603050405020304" pitchFamily="18" charset="0"/>
-              </a:rPr>
-              <a:t>дифференцирование, </a:t>
-            </a:r>
-            <a:r>
-              <a:rPr lang="en-US" sz="2000" dirty="0">
-                <a:ea typeface="Calibri" panose="020F0502020204030204" pitchFamily="34" charset="0"/>
-                <a:cs typeface="Times New Roman" panose="02020603050405020304" pitchFamily="18" charset="0"/>
-              </a:rPr>
-              <a:t>q</a:t>
-            </a:r>
-            <a:r>
-              <a:rPr lang="ru-RU" sz="2000" dirty="0">
-                <a:ea typeface="Calibri" panose="020F0502020204030204" pitchFamily="34" charset="0"/>
-                <a:cs typeface="Times New Roman" panose="02020603050405020304" pitchFamily="18" charset="0"/>
-              </a:rPr>
-              <a:t> - </a:t>
-            </a:r>
-            <a:r>
-              <a:rPr lang="en-US" sz="2000" dirty="0">
-                <a:ea typeface="Calibri" panose="020F0502020204030204" pitchFamily="34" charset="0"/>
-                <a:cs typeface="Times New Roman" panose="02020603050405020304" pitchFamily="18" charset="0"/>
-              </a:rPr>
-              <a:t>MA</a:t>
-            </a:r>
-            <a:endParaRPr lang="ru-RU" sz="2300" dirty="0">
-              <a:ea typeface="Calibri" panose="020F0502020204030204" pitchFamily="34" charset="0"/>
-              <a:cs typeface="Times New Roman" panose="02020603050405020304" pitchFamily="18" charset="0"/>
-            </a:endParaRPr>
-          </a:p>
-          <a:p>
-            <a:pPr marL="514350" indent="-514350">
-              <a:buFont typeface="+mj-lt"/>
-              <a:buAutoNum type="arabicPeriod"/>
-            </a:pPr>
-            <a:r>
-              <a:rPr lang="en" sz="2400" dirty="0">
-                <a:ea typeface="Calibri" panose="020F0502020204030204" pitchFamily="34" charset="0"/>
-                <a:cs typeface="Times New Roman" panose="02020603050405020304" pitchFamily="18" charset="0"/>
-              </a:rPr>
-              <a:t>p</a:t>
-            </a:r>
-            <a:r>
-              <a:rPr lang="en-US" sz="2400" dirty="0">
-                <a:ea typeface="Calibri" panose="020F0502020204030204" pitchFamily="34" charset="0"/>
-                <a:cs typeface="Times New Roman" panose="02020603050405020304" pitchFamily="18" charset="0"/>
-              </a:rPr>
-              <a:t> – MA, d – </a:t>
-            </a:r>
-            <a:r>
-              <a:rPr lang="ru-RU" sz="2400" dirty="0">
-                <a:ea typeface="Calibri" panose="020F0502020204030204" pitchFamily="34" charset="0"/>
-                <a:cs typeface="Times New Roman" panose="02020603050405020304" pitchFamily="18" charset="0"/>
-              </a:rPr>
-              <a:t>дифференцирование, </a:t>
-            </a:r>
-            <a:r>
-              <a:rPr lang="en-US" sz="2400" dirty="0">
-                <a:ea typeface="Calibri" panose="020F0502020204030204" pitchFamily="34" charset="0"/>
-                <a:cs typeface="Times New Roman" panose="02020603050405020304" pitchFamily="18" charset="0"/>
-              </a:rPr>
-              <a:t>q</a:t>
-            </a:r>
-            <a:r>
-              <a:rPr lang="ru-RU" sz="2400" dirty="0">
-                <a:ea typeface="Calibri" panose="020F0502020204030204" pitchFamily="34" charset="0"/>
-                <a:cs typeface="Times New Roman" panose="02020603050405020304" pitchFamily="18" charset="0"/>
-              </a:rPr>
-              <a:t> - </a:t>
-            </a:r>
-            <a:r>
-              <a:rPr lang="en-US" sz="2400" dirty="0">
-                <a:ea typeface="Calibri" panose="020F0502020204030204" pitchFamily="34" charset="0"/>
-                <a:cs typeface="Times New Roman" panose="02020603050405020304" pitchFamily="18" charset="0"/>
-              </a:rPr>
-              <a:t>AR</a:t>
-            </a:r>
-            <a:endParaRPr lang="ru-RU" sz="2800" dirty="0">
-              <a:ea typeface="Calibri" panose="020F0502020204030204" pitchFamily="34" charset="0"/>
-              <a:cs typeface="Times New Roman" panose="02020603050405020304" pitchFamily="18" charset="0"/>
-            </a:endParaRPr>
-          </a:p>
-          <a:p>
-            <a:pPr marL="514350" indent="-514350">
-              <a:buFont typeface="+mj-lt"/>
-              <a:buAutoNum type="arabicPeriod"/>
-            </a:pPr>
-            <a:r>
-              <a:rPr lang="en" sz="2000" dirty="0">
-                <a:ea typeface="Calibri" panose="020F0502020204030204" pitchFamily="34" charset="0"/>
-                <a:cs typeface="Times New Roman" panose="02020603050405020304" pitchFamily="18" charset="0"/>
-              </a:rPr>
-              <a:t>P</a:t>
-            </a:r>
-            <a:r>
-              <a:rPr lang="en-US" sz="2000" dirty="0">
-                <a:ea typeface="Calibri" panose="020F0502020204030204" pitchFamily="34" charset="0"/>
-                <a:cs typeface="Times New Roman" panose="02020603050405020304" pitchFamily="18" charset="0"/>
-              </a:rPr>
-              <a:t> – </a:t>
-            </a:r>
-            <a:r>
-              <a:rPr lang="ru-RU" sz="2000" dirty="0">
-                <a:ea typeface="Calibri" panose="020F0502020204030204" pitchFamily="34" charset="0"/>
-                <a:cs typeface="Times New Roman" panose="02020603050405020304" pitchFamily="18" charset="0"/>
-              </a:rPr>
-              <a:t>дифференцирование</a:t>
-            </a:r>
-            <a:r>
-              <a:rPr lang="en-US" sz="2000" dirty="0">
-                <a:ea typeface="Calibri" panose="020F0502020204030204" pitchFamily="34" charset="0"/>
-                <a:cs typeface="Times New Roman" panose="02020603050405020304" pitchFamily="18" charset="0"/>
-              </a:rPr>
-              <a:t>, d – AR</a:t>
-            </a:r>
-            <a:r>
-              <a:rPr lang="ru-RU" sz="2000" dirty="0">
-                <a:ea typeface="Calibri" panose="020F0502020204030204" pitchFamily="34" charset="0"/>
-                <a:cs typeface="Times New Roman" panose="02020603050405020304" pitchFamily="18" charset="0"/>
-              </a:rPr>
-              <a:t>, </a:t>
-            </a:r>
-            <a:r>
-              <a:rPr lang="en-US" sz="2000" dirty="0">
-                <a:ea typeface="Calibri" panose="020F0502020204030204" pitchFamily="34" charset="0"/>
-                <a:cs typeface="Times New Roman" panose="02020603050405020304" pitchFamily="18" charset="0"/>
-              </a:rPr>
-              <a:t>q</a:t>
-            </a:r>
-            <a:r>
-              <a:rPr lang="ru-RU" sz="2000" dirty="0">
-                <a:ea typeface="Calibri" panose="020F0502020204030204" pitchFamily="34" charset="0"/>
-                <a:cs typeface="Times New Roman" panose="02020603050405020304" pitchFamily="18" charset="0"/>
-              </a:rPr>
-              <a:t> - </a:t>
-            </a:r>
-            <a:r>
-              <a:rPr lang="en-US" sz="2000" dirty="0">
-                <a:ea typeface="Calibri" panose="020F0502020204030204" pitchFamily="34" charset="0"/>
-                <a:cs typeface="Times New Roman" panose="02020603050405020304" pitchFamily="18" charset="0"/>
-              </a:rPr>
-              <a:t>MA</a:t>
-            </a:r>
-            <a:endParaRPr lang="ru-RU" sz="2400" dirty="0">
-              <a:ea typeface="Calibri" panose="020F0502020204030204" pitchFamily="34" charset="0"/>
-              <a:cs typeface="Times New Roman" panose="02020603050405020304" pitchFamily="18" charset="0"/>
-            </a:endParaRPr>
-          </a:p>
-          <a:p>
-            <a:pPr marL="514350" indent="-514350">
-              <a:buFont typeface="+mj-lt"/>
-              <a:buAutoNum type="arabicPeriod"/>
-            </a:pPr>
-            <a:r>
-              <a:rPr lang="en" sz="2400" dirty="0">
-                <a:ea typeface="Calibri" panose="020F0502020204030204" pitchFamily="34" charset="0"/>
-                <a:cs typeface="Times New Roman" panose="02020603050405020304" pitchFamily="18" charset="0"/>
-              </a:rPr>
-              <a:t>q</a:t>
-            </a:r>
-            <a:r>
-              <a:rPr lang="en-US" sz="2400" dirty="0">
-                <a:ea typeface="Calibri" panose="020F0502020204030204" pitchFamily="34" charset="0"/>
-                <a:cs typeface="Times New Roman" panose="02020603050405020304" pitchFamily="18" charset="0"/>
-              </a:rPr>
-              <a:t> – </a:t>
-            </a:r>
-            <a:r>
-              <a:rPr lang="ru-RU" sz="2400" dirty="0">
-                <a:ea typeface="Calibri" panose="020F0502020204030204" pitchFamily="34" charset="0"/>
-                <a:cs typeface="Times New Roman" panose="02020603050405020304" pitchFamily="18" charset="0"/>
-              </a:rPr>
-              <a:t>дифференцирование</a:t>
-            </a:r>
-            <a:r>
-              <a:rPr lang="en-US" sz="2400" dirty="0">
-                <a:ea typeface="Calibri" panose="020F0502020204030204" pitchFamily="34" charset="0"/>
-                <a:cs typeface="Times New Roman" panose="02020603050405020304" pitchFamily="18" charset="0"/>
-              </a:rPr>
-              <a:t>, d – MA</a:t>
-            </a:r>
-            <a:r>
-              <a:rPr lang="ru-RU" sz="2400" dirty="0">
-                <a:ea typeface="Calibri" panose="020F0502020204030204" pitchFamily="34" charset="0"/>
-                <a:cs typeface="Times New Roman" panose="02020603050405020304" pitchFamily="18" charset="0"/>
-              </a:rPr>
-              <a:t>, </a:t>
-            </a:r>
-            <a:r>
-              <a:rPr lang="en-US" sz="2400" dirty="0">
-                <a:ea typeface="Calibri" panose="020F0502020204030204" pitchFamily="34" charset="0"/>
-                <a:cs typeface="Times New Roman" panose="02020603050405020304" pitchFamily="18" charset="0"/>
-              </a:rPr>
-              <a:t>p</a:t>
-            </a:r>
-            <a:r>
-              <a:rPr lang="ru-RU" sz="2400" dirty="0">
-                <a:ea typeface="Calibri" panose="020F0502020204030204" pitchFamily="34" charset="0"/>
-                <a:cs typeface="Times New Roman" panose="02020603050405020304" pitchFamily="18" charset="0"/>
-              </a:rPr>
-              <a:t> - </a:t>
-            </a:r>
-            <a:r>
-              <a:rPr lang="en-US" sz="2400" dirty="0">
-                <a:ea typeface="Calibri" panose="020F0502020204030204" pitchFamily="34" charset="0"/>
-                <a:cs typeface="Times New Roman" panose="02020603050405020304" pitchFamily="18" charset="0"/>
-              </a:rPr>
-              <a:t>AR</a:t>
-            </a:r>
-            <a:endParaRPr lang="ru-RU" sz="2800" dirty="0">
-              <a:ea typeface="Calibri" panose="020F0502020204030204" pitchFamily="34" charset="0"/>
-              <a:cs typeface="Times New Roman" panose="02020603050405020304" pitchFamily="18" charset="0"/>
-            </a:endParaRPr>
-          </a:p>
-          <a:p>
-            <a:r>
-              <a:rPr lang="ru-RU" sz="2400" b="1" dirty="0">
-                <a:ea typeface="Calibri" panose="020F0502020204030204" pitchFamily="34" charset="0"/>
-                <a:cs typeface="Times New Roman" panose="02020603050405020304" pitchFamily="18" charset="0"/>
-              </a:rPr>
-              <a:t>П</a:t>
-            </a:r>
-            <a:r>
-              <a:rPr lang="en-US" sz="2400" b="1" dirty="0" err="1">
-                <a:ea typeface="Calibri" panose="020F0502020204030204" pitchFamily="34" charset="0"/>
-                <a:cs typeface="Times New Roman" panose="02020603050405020304" pitchFamily="18" charset="0"/>
-              </a:rPr>
-              <a:t>ри</a:t>
-            </a:r>
-            <a:r>
-              <a:rPr lang="ru-RU" sz="2400" b="1" dirty="0">
-                <a:ea typeface="Calibri" panose="020F0502020204030204" pitchFamily="34" charset="0"/>
-                <a:cs typeface="Times New Roman" panose="02020603050405020304" pitchFamily="18" charset="0"/>
-              </a:rPr>
-              <a:t>чина введения дифференцирования в </a:t>
-            </a:r>
-            <a:r>
-              <a:rPr lang="en-US" sz="2300" b="1" dirty="0">
-                <a:ea typeface="Calibri" panose="020F0502020204030204" pitchFamily="34" charset="0"/>
-                <a:cs typeface="Times New Roman" panose="02020603050405020304" pitchFamily="18" charset="0"/>
-              </a:rPr>
-              <a:t>ARIMA</a:t>
-            </a:r>
-            <a:endParaRPr lang="ru-RU" sz="2300" dirty="0">
-              <a:ea typeface="Calibri" panose="020F0502020204030204" pitchFamily="34" charset="0"/>
-              <a:cs typeface="Times New Roman" panose="02020603050405020304" pitchFamily="18" charset="0"/>
-            </a:endParaRPr>
-          </a:p>
-          <a:p>
-            <a:pPr marL="514350" indent="-514350">
-              <a:buFont typeface="+mj-lt"/>
-              <a:buAutoNum type="arabicPeriod"/>
-            </a:pPr>
-            <a:r>
-              <a:rPr lang="ru-RU" sz="2300" dirty="0">
-                <a:ea typeface="Calibri" panose="020F0502020204030204" pitchFamily="34" charset="0"/>
-                <a:cs typeface="Times New Roman" panose="02020603050405020304" pitchFamily="18" charset="0"/>
-              </a:rPr>
-              <a:t>Наличие не стационарности тренда</a:t>
-            </a:r>
-          </a:p>
-          <a:p>
-            <a:pPr marL="514350" indent="-514350">
-              <a:buFont typeface="+mj-lt"/>
-              <a:buAutoNum type="arabicPeriod"/>
-            </a:pPr>
-            <a:r>
-              <a:rPr lang="ru-RU" sz="2300" dirty="0">
-                <a:ea typeface="Calibri" panose="020F0502020204030204" pitchFamily="34" charset="0"/>
-                <a:cs typeface="Times New Roman" panose="02020603050405020304" pitchFamily="18" charset="0"/>
-              </a:rPr>
-              <a:t>Наличие шумов во ВР</a:t>
-            </a:r>
-          </a:p>
-          <a:p>
-            <a:pPr marL="514350" indent="-514350">
-              <a:buFont typeface="+mj-lt"/>
-              <a:buAutoNum type="arabicPeriod"/>
-            </a:pPr>
-            <a:r>
-              <a:rPr lang="ru-RU" sz="2300" dirty="0">
-                <a:ea typeface="Calibri" panose="020F0502020204030204" pitchFamily="34" charset="0"/>
-                <a:cs typeface="Times New Roman" panose="02020603050405020304" pitchFamily="18" charset="0"/>
-              </a:rPr>
-              <a:t>Наличие составляющих, не объясненных </a:t>
-            </a:r>
-            <a:r>
-              <a:rPr lang="en-US" sz="2300" dirty="0">
-                <a:ea typeface="Calibri" panose="020F0502020204030204" pitchFamily="34" charset="0"/>
-                <a:cs typeface="Times New Roman" panose="02020603050405020304" pitchFamily="18" charset="0"/>
-              </a:rPr>
-              <a:t>ARMA</a:t>
-            </a:r>
-            <a:endParaRPr lang="ru-RU" sz="2300" dirty="0">
-              <a:ea typeface="Calibri" panose="020F0502020204030204" pitchFamily="34" charset="0"/>
-              <a:cs typeface="Times New Roman" panose="02020603050405020304" pitchFamily="18" charset="0"/>
-            </a:endParaRPr>
-          </a:p>
-          <a:p>
-            <a:pPr marL="514350" indent="-514350">
-              <a:buFont typeface="+mj-lt"/>
-              <a:buAutoNum type="arabicPeriod"/>
-            </a:pPr>
-            <a:r>
-              <a:rPr lang="ru-RU" sz="2300" dirty="0">
-                <a:ea typeface="Calibri" panose="020F0502020204030204" pitchFamily="34" charset="0"/>
-                <a:cs typeface="Times New Roman" panose="02020603050405020304" pitchFamily="18" charset="0"/>
-              </a:rPr>
-              <a:t>Наличие стационарности ВР</a:t>
-            </a:r>
-          </a:p>
-          <a:p>
-            <a:pPr marL="514350" indent="-514350">
-              <a:buFont typeface="+mj-lt"/>
-              <a:buAutoNum type="arabicPeriod"/>
-            </a:pPr>
-            <a:endParaRPr lang="ru-RU" sz="2300" dirty="0">
-              <a:ea typeface="Calibri" panose="020F0502020204030204" pitchFamily="34" charset="0"/>
-              <a:cs typeface="Times New Roman" panose="02020603050405020304" pitchFamily="18" charset="0"/>
-            </a:endParaRPr>
-          </a:p>
-          <a:p>
-            <a:pPr marL="514350" indent="-514350">
-              <a:buFont typeface="+mj-lt"/>
-              <a:buAutoNum type="arabicPeriod"/>
-            </a:pPr>
-            <a:endParaRPr lang="ru-RU" dirty="0">
-              <a:ea typeface="Calibri" panose="020F0502020204030204" pitchFamily="34" charset="0"/>
-              <a:cs typeface="Times New Roman" panose="02020603050405020304" pitchFamily="18" charset="0"/>
-            </a:endParaRPr>
-          </a:p>
-          <a:p>
-            <a:pPr marL="514350" indent="-514350">
-              <a:buFont typeface="+mj-lt"/>
-              <a:buAutoNum type="arabicPeriod"/>
-            </a:pPr>
-            <a:endParaRPr lang="ru-RU" dirty="0">
-              <a:ea typeface="Calibri" panose="020F0502020204030204" pitchFamily="34" charset="0"/>
-              <a:cs typeface="Times New Roman" panose="02020603050405020304" pitchFamily="18" charset="0"/>
-            </a:endParaRPr>
-          </a:p>
-          <a:p>
-            <a:endParaRPr lang="ru-RU" dirty="0"/>
-          </a:p>
-        </p:txBody>
-      </p:sp>
-    </p:spTree>
-    <p:extLst>
-      <p:ext uri="{BB962C8B-B14F-4D97-AF65-F5344CB8AC3E}">
-        <p14:creationId xmlns:p14="http://schemas.microsoft.com/office/powerpoint/2010/main" val="2439194558"/>
-      </p:ext>
-    </p:extLst>
-  </p:cSld>
-  <p:clrMapOvr>
-    <a:masterClrMapping/>
-  </p:clrMapOvr>
-  <p:timing>
-    <p:tnLst>
-      <p:par>
-        <p:cTn id="1" dur="indefinite" restart="never" nodeType="tmRoot"/>
-      </p:par>
-    </p:tnLst>
-  </p:timing>
-</p:sld>
-</file>
-
-<file path=ppt/slides/slide16.xml><?xml version="1.0" encoding="utf-8"?>
-<p:sld xmlns:a="http://schemas.openxmlformats.org/drawingml/2006/main" xmlns:r="http://schemas.openxmlformats.org/officeDocument/2006/relationships" xmlns:p="http://schemas.openxmlformats.org/presentationml/2006/main">
-  <p:cSld>
-    <p:spTree>
-      <p:nvGrpSpPr>
-        <p:cNvPr id="1" name=""/>
-        <p:cNvGrpSpPr/>
-        <p:nvPr/>
-      </p:nvGrpSpPr>
-      <p:grpSpPr>
-        <a:xfrm>
-          <a:off x="0" y="0"/>
-          <a:ext cx="0" cy="0"/>
-          <a:chOff x="0" y="0"/>
-          <a:chExt cx="0" cy="0"/>
-        </a:xfrm>
-      </p:grpSpPr>
-      <p:sp>
-        <p:nvSpPr>
-          <p:cNvPr id="2" name="Заголовок 1">
-            <a:extLst>
-              <a:ext uri="{FF2B5EF4-FFF2-40B4-BE49-F238E27FC236}">
-                <a16:creationId xmlns:a16="http://schemas.microsoft.com/office/drawing/2014/main" id="{E5E18C16-493F-C0F6-1226-B953C44BB2B9}"/>
-              </a:ext>
-            </a:extLst>
-          </p:cNvPr>
-          <p:cNvSpPr>
-            <a:spLocks noGrp="1"/>
-          </p:cNvSpPr>
-          <p:nvPr>
-            <p:ph type="title"/>
-          </p:nvPr>
-        </p:nvSpPr>
-        <p:spPr>
-          <a:xfrm>
-            <a:off x="398929" y="0"/>
-            <a:ext cx="10515600" cy="1325563"/>
-          </a:xfrm>
-        </p:spPr>
-        <p:txBody>
-          <a:bodyPr>
-            <a:normAutofit/>
-          </a:bodyPr>
-          <a:lstStyle/>
-          <a:p>
-            <a:r>
-              <a:rPr lang="ru-RU" sz="4800" b="1" dirty="0"/>
-              <a:t>Вопросы Продвинутые </a:t>
-            </a:r>
-            <a:r>
-              <a:rPr lang="en-US" sz="4800" b="1" dirty="0"/>
-              <a:t>(X)-</a:t>
-            </a:r>
-            <a:r>
-              <a:rPr lang="ru-RU" sz="4800" b="1" dirty="0"/>
-              <a:t>верно</a:t>
-            </a:r>
-          </a:p>
-        </p:txBody>
-      </p:sp>
-      <mc:AlternateContent xmlns:mc="http://schemas.openxmlformats.org/markup-compatibility/2006" xmlns:a14="http://schemas.microsoft.com/office/drawing/2010/main">
-        <mc:Choice Requires="a14">
-          <p:sp>
-            <p:nvSpPr>
-              <p:cNvPr id="3" name="Объект 2">
-                <a:extLst>
-                  <a:ext uri="{FF2B5EF4-FFF2-40B4-BE49-F238E27FC236}">
-                    <a16:creationId xmlns:a16="http://schemas.microsoft.com/office/drawing/2014/main" id="{BE421393-E6D9-4C04-F323-217F01E33B93}"/>
-                  </a:ext>
-                </a:extLst>
-              </p:cNvPr>
-              <p:cNvSpPr>
-                <a:spLocks noGrp="1"/>
-              </p:cNvSpPr>
-              <p:nvPr>
-                <p:ph idx="1"/>
-              </p:nvPr>
-            </p:nvSpPr>
-            <p:spPr>
-              <a:xfrm>
-                <a:off x="398928" y="1075308"/>
-                <a:ext cx="11282083" cy="5666151"/>
-              </a:xfrm>
-            </p:spPr>
-            <p:txBody>
-              <a:bodyPr>
-                <a:normAutofit fontScale="92500" lnSpcReduction="10000"/>
-              </a:bodyPr>
-              <a:lstStyle/>
-              <a:p>
-                <a:r>
-                  <a:rPr lang="ru-RU" sz="2300" b="1" dirty="0">
-                    <a:ea typeface="Calibri" panose="020F0502020204030204" pitchFamily="34" charset="0"/>
-                    <a:cs typeface="Times New Roman" panose="02020603050405020304" pitchFamily="18" charset="0"/>
-                  </a:rPr>
-                  <a:t>С</a:t>
-                </a:r>
-                <a:r>
-                  <a:rPr lang="en-US" sz="2300" b="1" dirty="0" err="1">
-                    <a:ea typeface="Calibri" panose="020F0502020204030204" pitchFamily="34" charset="0"/>
-                    <a:cs typeface="Times New Roman" panose="02020603050405020304" pitchFamily="18" charset="0"/>
-                  </a:rPr>
-                  <a:t>оот</a:t>
-                </a:r>
-                <a:r>
-                  <a:rPr lang="ru-RU" sz="2300" b="1" dirty="0">
-                    <a:ea typeface="Calibri" panose="020F0502020204030204" pitchFamily="34" charset="0"/>
-                    <a:cs typeface="Times New Roman" panose="02020603050405020304" pitchFamily="18" charset="0"/>
-                  </a:rPr>
-                  <a:t>нести вид тренда с порядок дифференцирования (может быть открытый вопрос)</a:t>
-                </a:r>
-              </a:p>
-              <a:p>
-                <a:pPr marL="971550" lvl="1" indent="-514350">
-                  <a:buFont typeface="+mj-lt"/>
-                  <a:buAutoNum type="arabicPeriod"/>
-                </a:pPr>
-                <a:r>
-                  <a:rPr lang="ru-RU" dirty="0">
-                    <a:cs typeface="Times New Roman" panose="02020603050405020304" pitchFamily="18" charset="0"/>
-                  </a:rPr>
-                  <a:t>Нет тренда - 0</a:t>
-                </a:r>
-              </a:p>
-              <a:p>
-                <a:pPr marL="971550" lvl="1" indent="-514350">
-                  <a:buFont typeface="+mj-lt"/>
-                  <a:buAutoNum type="arabicPeriod"/>
-                </a:pPr>
-                <a:r>
-                  <a:rPr lang="ru-RU" dirty="0">
-                    <a:cs typeface="Times New Roman" panose="02020603050405020304" pitchFamily="18" charset="0"/>
-                  </a:rPr>
-                  <a:t>Линейный тренд - 1</a:t>
-                </a:r>
-              </a:p>
-              <a:p>
-                <a:pPr marL="971550" lvl="1" indent="-514350">
-                  <a:buFont typeface="+mj-lt"/>
-                  <a:buAutoNum type="arabicPeriod"/>
-                </a:pPr>
-                <a:r>
-                  <a:rPr lang="ru-RU" dirty="0">
-                    <a:cs typeface="Times New Roman" panose="02020603050405020304" pitchFamily="18" charset="0"/>
-                  </a:rPr>
-                  <a:t>Параболический тренд - 2</a:t>
-                </a:r>
-              </a:p>
-              <a:p>
-                <a:pPr marL="971550" lvl="1" indent="-514350">
-                  <a:buFont typeface="+mj-lt"/>
-                  <a:buAutoNum type="arabicPeriod"/>
-                </a:pPr>
-                <a:r>
-                  <a:rPr lang="ru-RU" dirty="0">
-                    <a:cs typeface="Times New Roman" panose="02020603050405020304" pitchFamily="18" charset="0"/>
-                  </a:rPr>
-                  <a:t>Гиперболический тренд – 3</a:t>
-                </a:r>
-              </a:p>
-              <a:p>
-                <a:pPr marL="971550" lvl="1" indent="-514350">
-                  <a:buFont typeface="+mj-lt"/>
-                  <a:buAutoNum type="arabicPeriod"/>
-                </a:pPr>
-                <a:r>
-                  <a:rPr lang="ru-RU" dirty="0">
-                    <a:cs typeface="Times New Roman" panose="02020603050405020304" pitchFamily="18" charset="0"/>
-                  </a:rPr>
-                  <a:t>Простое случайное блуждание - 1</a:t>
-                </a:r>
-              </a:p>
-              <a:p>
-                <a:r>
-                  <a:rPr lang="ru-RU" sz="2300" b="1" dirty="0">
-                    <a:ea typeface="Calibri" panose="020F0502020204030204" pitchFamily="34" charset="0"/>
-                    <a:cs typeface="Times New Roman" panose="02020603050405020304" pitchFamily="18" charset="0"/>
-                  </a:rPr>
-                  <a:t>Выберите правильный порядок для выражения </a:t>
-                </a:r>
-                <a:r>
-                  <a:rPr lang="en-US" sz="2300" b="1" dirty="0">
-                    <a:ea typeface="Calibri" panose="020F0502020204030204" pitchFamily="34" charset="0"/>
-                    <a:cs typeface="Times New Roman" panose="02020603050405020304" pitchFamily="18" charset="0"/>
-                  </a:rPr>
-                  <a:t/>
-                </a:r>
-                <a:br>
-                  <a:rPr lang="en-US" sz="2300" b="1" dirty="0">
-                    <a:ea typeface="Calibri" panose="020F0502020204030204" pitchFamily="34" charset="0"/>
-                    <a:cs typeface="Times New Roman" panose="02020603050405020304" pitchFamily="18" charset="0"/>
-                  </a:rPr>
-                </a:br>
-                <a14:m>
-                  <m:oMath xmlns:m="http://schemas.openxmlformats.org/officeDocument/2006/math">
-                    <m:d>
-                      <m:dPr>
-                        <m:ctrlPr>
-                          <a:rPr lang="en-US" sz="2300" i="1" smtClean="0">
-                            <a:latin typeface="Cambria Math" panose="02040503050406030204" pitchFamily="18" charset="0"/>
-                          </a:rPr>
-                        </m:ctrlPr>
-                      </m:dPr>
-                      <m:e>
-                        <m:r>
-                          <a:rPr lang="en-US" sz="2300" i="1">
-                            <a:latin typeface="Cambria Math" panose="02040503050406030204" pitchFamily="18" charset="0"/>
-                          </a:rPr>
-                          <m:t>1−</m:t>
-                        </m:r>
-                        <m:nary>
-                          <m:naryPr>
-                            <m:chr m:val="∑"/>
-                            <m:limLoc m:val="undOvr"/>
-                            <m:ctrlPr>
-                              <a:rPr lang="en-US" sz="2300" i="1">
-                                <a:latin typeface="Cambria Math" panose="02040503050406030204" pitchFamily="18" charset="0"/>
-                              </a:rPr>
-                            </m:ctrlPr>
-                          </m:naryPr>
-                          <m:sub>
-                            <m:r>
-                              <a:rPr lang="en-US" sz="2300" i="1">
-                                <a:latin typeface="Cambria Math" panose="02040503050406030204" pitchFamily="18" charset="0"/>
-                              </a:rPr>
-                              <m:t>𝑖</m:t>
-                            </m:r>
-                            <m:r>
-                              <a:rPr lang="en-US" sz="2300" i="1">
-                                <a:latin typeface="Cambria Math" panose="02040503050406030204" pitchFamily="18" charset="0"/>
-                              </a:rPr>
-                              <m:t>=1</m:t>
-                            </m:r>
-                          </m:sub>
-                          <m:sup>
-                            <m:r>
-                              <a:rPr lang="en-US" sz="2300" i="1">
-                                <a:latin typeface="Cambria Math" panose="02040503050406030204" pitchFamily="18" charset="0"/>
-                              </a:rPr>
-                              <m:t>𝑝</m:t>
-                            </m:r>
-                          </m:sup>
-                          <m:e>
-                            <m:sSub>
-                              <m:sSubPr>
-                                <m:ctrlPr>
-                                  <a:rPr lang="en-US" sz="2300" i="1">
-                                    <a:latin typeface="Cambria Math" panose="02040503050406030204" pitchFamily="18" charset="0"/>
-                                  </a:rPr>
-                                </m:ctrlPr>
-                              </m:sSubPr>
-                              <m:e>
-                                <m:r>
-                                  <a:rPr lang="en-US" sz="2300" i="1">
-                                    <a:latin typeface="Cambria Math" panose="02040503050406030204" pitchFamily="18" charset="0"/>
-                                  </a:rPr>
-                                  <m:t>𝛼</m:t>
-                                </m:r>
-                              </m:e>
-                              <m:sub>
-                                <m:r>
-                                  <a:rPr lang="en-US" sz="2300" i="1">
-                                    <a:latin typeface="Cambria Math" panose="02040503050406030204" pitchFamily="18" charset="0"/>
-                                  </a:rPr>
-                                  <m:t>𝑖</m:t>
-                                </m:r>
-                              </m:sub>
-                            </m:sSub>
-                          </m:e>
-                        </m:nary>
-                        <m:sSup>
-                          <m:sSupPr>
-                            <m:ctrlPr>
-                              <a:rPr lang="en-US" sz="2300" i="1">
-                                <a:latin typeface="Cambria Math" panose="02040503050406030204" pitchFamily="18" charset="0"/>
-                              </a:rPr>
-                            </m:ctrlPr>
-                          </m:sSupPr>
-                          <m:e>
-                            <m:r>
-                              <a:rPr lang="en-US" sz="2300" i="1">
-                                <a:latin typeface="Cambria Math" panose="02040503050406030204" pitchFamily="18" charset="0"/>
-                              </a:rPr>
-                              <m:t>𝐿</m:t>
-                            </m:r>
-                          </m:e>
-                          <m:sup>
-                            <m:r>
-                              <a:rPr lang="en-US" sz="2300" i="1">
-                                <a:latin typeface="Cambria Math" panose="02040503050406030204" pitchFamily="18" charset="0"/>
-                              </a:rPr>
-                              <m:t>𝑖</m:t>
-                            </m:r>
-                          </m:sup>
-                        </m:sSup>
-                      </m:e>
-                    </m:d>
-                    <m:sSup>
-                      <m:sSupPr>
-                        <m:ctrlPr>
-                          <a:rPr lang="en-US" sz="2300" i="1">
-                            <a:latin typeface="Cambria Math" panose="02040503050406030204" pitchFamily="18" charset="0"/>
-                          </a:rPr>
-                        </m:ctrlPr>
-                      </m:sSupPr>
-                      <m:e>
-                        <m:r>
-                          <m:rPr>
-                            <m:sty m:val="p"/>
-                          </m:rPr>
-                          <a:rPr lang="en-US" sz="2300">
-                            <a:latin typeface="Cambria Math" panose="02040503050406030204" pitchFamily="18" charset="0"/>
-                          </a:rPr>
-                          <m:t>Δ</m:t>
-                        </m:r>
-                      </m:e>
-                      <m:sup>
-                        <m:r>
-                          <m:rPr>
-                            <m:sty m:val="p"/>
-                          </m:rPr>
-                          <a:rPr lang="en-US" sz="2300">
-                            <a:latin typeface="Cambria Math" panose="02040503050406030204" pitchFamily="18" charset="0"/>
-                          </a:rPr>
-                          <m:t>d</m:t>
-                        </m:r>
-                      </m:sup>
-                    </m:sSup>
-                    <m:sSub>
-                      <m:sSubPr>
-                        <m:ctrlPr>
-                          <a:rPr lang="en-US" sz="2300" i="1">
-                            <a:latin typeface="Cambria Math" panose="02040503050406030204" pitchFamily="18" charset="0"/>
-                          </a:rPr>
-                        </m:ctrlPr>
-                      </m:sSubPr>
-                      <m:e>
-                        <m:r>
-                          <a:rPr lang="en-US" sz="2300" i="1">
-                            <a:latin typeface="Cambria Math" panose="02040503050406030204" pitchFamily="18" charset="0"/>
-                          </a:rPr>
-                          <m:t>𝑦</m:t>
-                        </m:r>
-                      </m:e>
-                      <m:sub>
-                        <m:r>
-                          <a:rPr lang="en-US" sz="2300" i="1">
-                            <a:latin typeface="Cambria Math" panose="02040503050406030204" pitchFamily="18" charset="0"/>
-                          </a:rPr>
-                          <m:t>𝑛</m:t>
-                        </m:r>
-                      </m:sub>
-                    </m:sSub>
-                    <m:r>
-                      <a:rPr lang="en-US" sz="2300" i="1">
-                        <a:latin typeface="Cambria Math" panose="02040503050406030204" pitchFamily="18" charset="0"/>
-                      </a:rPr>
-                      <m:t>=</m:t>
-                    </m:r>
-                    <m:d>
-                      <m:dPr>
-                        <m:ctrlPr>
-                          <a:rPr lang="en-US" sz="2300" i="1">
-                            <a:latin typeface="Cambria Math" panose="02040503050406030204" pitchFamily="18" charset="0"/>
-                          </a:rPr>
-                        </m:ctrlPr>
-                      </m:dPr>
-                      <m:e>
-                        <m:r>
-                          <a:rPr lang="en-US" sz="2300" i="1">
-                            <a:latin typeface="Cambria Math" panose="02040503050406030204" pitchFamily="18" charset="0"/>
-                          </a:rPr>
-                          <m:t>1+</m:t>
-                        </m:r>
-                        <m:nary>
-                          <m:naryPr>
-                            <m:chr m:val="∑"/>
-                            <m:limLoc m:val="undOvr"/>
-                            <m:ctrlPr>
-                              <a:rPr lang="en-US" sz="2300" i="1">
-                                <a:latin typeface="Cambria Math" panose="02040503050406030204" pitchFamily="18" charset="0"/>
-                              </a:rPr>
-                            </m:ctrlPr>
-                          </m:naryPr>
-                          <m:sub>
-                            <m:r>
-                              <a:rPr lang="en-US" sz="2300" i="1">
-                                <a:latin typeface="Cambria Math" panose="02040503050406030204" pitchFamily="18" charset="0"/>
-                              </a:rPr>
-                              <m:t>𝑖</m:t>
-                            </m:r>
-                            <m:r>
-                              <a:rPr lang="en-US" sz="2300" i="1">
-                                <a:latin typeface="Cambria Math" panose="02040503050406030204" pitchFamily="18" charset="0"/>
-                              </a:rPr>
-                              <m:t>=1</m:t>
-                            </m:r>
-                          </m:sub>
-                          <m:sup>
-                            <m:r>
-                              <a:rPr lang="en-US" sz="2300" i="1">
-                                <a:latin typeface="Cambria Math" panose="02040503050406030204" pitchFamily="18" charset="0"/>
-                              </a:rPr>
-                              <m:t>𝑞</m:t>
-                            </m:r>
-                          </m:sup>
-                          <m:e>
-                            <m:sSub>
-                              <m:sSubPr>
-                                <m:ctrlPr>
-                                  <a:rPr lang="en-US" sz="2300" i="1">
-                                    <a:latin typeface="Cambria Math" panose="02040503050406030204" pitchFamily="18" charset="0"/>
-                                  </a:rPr>
-                                </m:ctrlPr>
-                              </m:sSubPr>
-                              <m:e>
-                                <m:r>
-                                  <a:rPr lang="en-US" sz="2300" i="1">
-                                    <a:latin typeface="Cambria Math" panose="02040503050406030204" pitchFamily="18" charset="0"/>
-                                  </a:rPr>
-                                  <m:t>𝛽</m:t>
-                                </m:r>
-                              </m:e>
-                              <m:sub>
-                                <m:r>
-                                  <a:rPr lang="en-US" sz="2300" i="1">
-                                    <a:latin typeface="Cambria Math" panose="02040503050406030204" pitchFamily="18" charset="0"/>
-                                  </a:rPr>
-                                  <m:t>𝑖</m:t>
-                                </m:r>
-                              </m:sub>
-                            </m:sSub>
-                          </m:e>
-                        </m:nary>
-                        <m:sSup>
-                          <m:sSupPr>
-                            <m:ctrlPr>
-                              <a:rPr lang="en-US" sz="2300" i="1">
-                                <a:latin typeface="Cambria Math" panose="02040503050406030204" pitchFamily="18" charset="0"/>
-                              </a:rPr>
-                            </m:ctrlPr>
-                          </m:sSupPr>
-                          <m:e>
-                            <m:r>
-                              <a:rPr lang="en-US" sz="2300" i="1">
-                                <a:latin typeface="Cambria Math" panose="02040503050406030204" pitchFamily="18" charset="0"/>
-                              </a:rPr>
-                              <m:t>𝐿</m:t>
-                            </m:r>
-                          </m:e>
-                          <m:sup>
-                            <m:r>
-                              <a:rPr lang="en-US" sz="2300" i="1">
-                                <a:latin typeface="Cambria Math" panose="02040503050406030204" pitchFamily="18" charset="0"/>
-                              </a:rPr>
-                              <m:t>𝑖</m:t>
-                            </m:r>
-                          </m:sup>
-                        </m:sSup>
-                      </m:e>
-                    </m:d>
-                    <m:sSub>
-                      <m:sSubPr>
-                        <m:ctrlPr>
-                          <a:rPr lang="en-US" sz="2300" i="1">
-                            <a:latin typeface="Cambria Math" panose="02040503050406030204" pitchFamily="18" charset="0"/>
-                          </a:rPr>
-                        </m:ctrlPr>
-                      </m:sSubPr>
-                      <m:e>
-                        <m:r>
-                          <a:rPr lang="en-US" sz="2300" i="1">
-                            <a:latin typeface="Cambria Math" panose="02040503050406030204" pitchFamily="18" charset="0"/>
-                          </a:rPr>
-                          <m:t>𝜀</m:t>
-                        </m:r>
-                      </m:e>
-                      <m:sub>
-                        <m:r>
-                          <a:rPr lang="en-US" sz="2300" i="1">
-                            <a:latin typeface="Cambria Math" panose="02040503050406030204" pitchFamily="18" charset="0"/>
-                          </a:rPr>
-                          <m:t>𝑛</m:t>
-                        </m:r>
-                      </m:sub>
-                    </m:sSub>
-                  </m:oMath>
-                </a14:m>
-                <a:r>
-                  <a:rPr lang="en-US" sz="2300" b="1" dirty="0">
-                    <a:ea typeface="Calibri" panose="020F0502020204030204" pitchFamily="34" charset="0"/>
-                    <a:cs typeface="Times New Roman" panose="02020603050405020304" pitchFamily="18" charset="0"/>
-                  </a:rPr>
-                  <a:t> </a:t>
-                </a:r>
-                <a:endParaRPr lang="ru-RU" sz="2300" b="1" dirty="0">
-                  <a:ea typeface="Calibri" panose="020F0502020204030204" pitchFamily="34" charset="0"/>
-                  <a:cs typeface="Times New Roman" panose="02020603050405020304" pitchFamily="18" charset="0"/>
-                </a:endParaRPr>
-              </a:p>
-              <a:p>
-                <a:pPr lvl="1"/>
-                <a:r>
-                  <a:rPr lang="ru-RU" sz="1900" b="1" dirty="0">
-                    <a:ea typeface="Calibri" panose="020F0502020204030204" pitchFamily="34" charset="0"/>
-                    <a:cs typeface="Times New Roman" panose="02020603050405020304" pitchFamily="18" charset="0"/>
-                  </a:rPr>
-                  <a:t>Ответ: цифрами нужно указать </a:t>
-                </a:r>
-                <a:r>
-                  <a:rPr lang="ru-RU" sz="1900" b="1" dirty="0" err="1">
-                    <a:ea typeface="Calibri" panose="020F0502020204030204" pitchFamily="34" charset="0"/>
-                    <a:cs typeface="Times New Roman" panose="02020603050405020304" pitchFamily="18" charset="0"/>
-                  </a:rPr>
-                  <a:t>p</a:t>
-                </a:r>
-                <a:r>
-                  <a:rPr lang="en-US" sz="1900" b="1" dirty="0">
-                    <a:ea typeface="Calibri" panose="020F0502020204030204" pitchFamily="34" charset="0"/>
-                    <a:cs typeface="Times New Roman" panose="02020603050405020304" pitchFamily="18" charset="0"/>
-                  </a:rPr>
-                  <a:t>, d, q </a:t>
-                </a:r>
-              </a:p>
-              <a:p>
-                <a:pPr marL="271463" lvl="1" indent="-225425"/>
-                <a:r>
-                  <a:rPr lang="ru-RU" b="1" dirty="0">
-                    <a:ea typeface="Calibri" panose="020F0502020204030204" pitchFamily="34" charset="0"/>
-                    <a:cs typeface="Times New Roman" panose="02020603050405020304" pitchFamily="18" charset="0"/>
-                  </a:rPr>
-                  <a:t>При выборе порядков для </a:t>
-                </a:r>
-                <a:r>
-                  <a:rPr lang="en-US" b="1" dirty="0">
-                    <a:ea typeface="Calibri" panose="020F0502020204030204" pitchFamily="34" charset="0"/>
-                    <a:cs typeface="Times New Roman" panose="02020603050405020304" pitchFamily="18" charset="0"/>
-                  </a:rPr>
-                  <a:t>ARIMA</a:t>
-                </a:r>
-                <a:r>
-                  <a:rPr lang="ru-RU" b="1" dirty="0">
-                    <a:ea typeface="Calibri" panose="020F0502020204030204" pitchFamily="34" charset="0"/>
-                    <a:cs typeface="Times New Roman" panose="02020603050405020304" pitchFamily="18" charset="0"/>
-                  </a:rPr>
-                  <a:t> модели для прогнозов на коротком горизонте выберите правильные утверждения </a:t>
-                </a:r>
-              </a:p>
-              <a:p>
-                <a:pPr marL="960438" lvl="2" indent="-457200">
-                  <a:buFont typeface="+mj-lt"/>
-                  <a:buAutoNum type="arabicPeriod"/>
-                </a:pPr>
-                <a:r>
-                  <a:rPr lang="ru-RU" dirty="0">
-                    <a:ea typeface="Calibri" panose="020F0502020204030204" pitchFamily="34" charset="0"/>
-                    <a:cs typeface="Times New Roman" panose="02020603050405020304" pitchFamily="18" charset="0"/>
-                  </a:rPr>
-                  <a:t>Лучше </a:t>
-                </a:r>
-                <a:r>
-                  <a:rPr lang="ru-RU" dirty="0" err="1">
-                    <a:ea typeface="Calibri" panose="020F0502020204030204" pitchFamily="34" charset="0"/>
-                    <a:cs typeface="Times New Roman" panose="02020603050405020304" pitchFamily="18" charset="0"/>
-                  </a:rPr>
-                  <a:t>недодиффиренровать</a:t>
-                </a:r>
-                <a:r>
-                  <a:rPr lang="ru-RU" dirty="0">
-                    <a:ea typeface="Calibri" panose="020F0502020204030204" pitchFamily="34" charset="0"/>
-                    <a:cs typeface="Times New Roman" panose="02020603050405020304" pitchFamily="18" charset="0"/>
-                  </a:rPr>
-                  <a:t> и добавить </a:t>
-                </a:r>
-                <a:r>
-                  <a:rPr lang="en-US" dirty="0">
-                    <a:ea typeface="Calibri" panose="020F0502020204030204" pitchFamily="34" charset="0"/>
-                    <a:cs typeface="Times New Roman" panose="02020603050405020304" pitchFamily="18" charset="0"/>
-                  </a:rPr>
-                  <a:t>AR </a:t>
-                </a:r>
-                <a:r>
-                  <a:rPr lang="ru-RU" dirty="0">
-                    <a:ea typeface="Calibri" panose="020F0502020204030204" pitchFamily="34" charset="0"/>
-                    <a:cs typeface="Times New Roman" panose="02020603050405020304" pitchFamily="18" charset="0"/>
-                  </a:rPr>
-                  <a:t>слагаемых (х)</a:t>
-                </a:r>
-              </a:p>
-              <a:p>
-                <a:pPr marL="960438" lvl="2" indent="-457200">
-                  <a:buFont typeface="+mj-lt"/>
-                  <a:buAutoNum type="arabicPeriod"/>
-                </a:pPr>
-                <a:r>
-                  <a:rPr lang="ru-RU" dirty="0">
-                    <a:ea typeface="Calibri" panose="020F0502020204030204" pitchFamily="34" charset="0"/>
-                    <a:cs typeface="Times New Roman" panose="02020603050405020304" pitchFamily="18" charset="0"/>
-                  </a:rPr>
-                  <a:t>Сначала выбирается порядок дифференцирования и оценивается стационарность (х)</a:t>
-                </a:r>
-              </a:p>
-              <a:p>
-                <a:pPr marL="960438" lvl="2" indent="-457200">
-                  <a:buFont typeface="+mj-lt"/>
-                  <a:buAutoNum type="arabicPeriod"/>
-                </a:pPr>
-                <a:r>
-                  <a:rPr lang="ru-RU" dirty="0">
-                    <a:ea typeface="Calibri" panose="020F0502020204030204" pitchFamily="34" charset="0"/>
-                    <a:cs typeface="Times New Roman" panose="02020603050405020304" pitchFamily="18" charset="0"/>
-                  </a:rPr>
-                  <a:t>Нужно подбирать порядок дифференцирования до сведения остаточной части к гарантировано стационарной по выбранным тестам</a:t>
-                </a:r>
-              </a:p>
-              <a:p>
-                <a:pPr marL="960438" lvl="2" indent="-457200">
-                  <a:buFont typeface="+mj-lt"/>
-                  <a:buAutoNum type="arabicPeriod"/>
-                </a:pPr>
-                <a:r>
-                  <a:rPr lang="ru-RU" dirty="0">
-                    <a:ea typeface="Calibri" panose="020F0502020204030204" pitchFamily="34" charset="0"/>
-                    <a:cs typeface="Times New Roman" panose="02020603050405020304" pitchFamily="18" charset="0"/>
-                  </a:rPr>
-                  <a:t>Нужно сначала оценить модели дифференцирования высокого порядка</a:t>
-                </a:r>
-              </a:p>
-              <a:p>
-                <a:pPr marL="960438" lvl="2" indent="-457200">
-                  <a:buFont typeface="+mj-lt"/>
-                  <a:buAutoNum type="arabicPeriod"/>
-                </a:pPr>
-                <a:r>
-                  <a:rPr lang="ru-RU" dirty="0">
-                    <a:ea typeface="Calibri" panose="020F0502020204030204" pitchFamily="34" charset="0"/>
-                    <a:cs typeface="Times New Roman" panose="02020603050405020304" pitchFamily="18" charset="0"/>
-                  </a:rPr>
-                  <a:t>Нужно сначала дифференцировать </a:t>
-                </a:r>
-                <a:r>
-                  <a:rPr lang="en-US" dirty="0">
-                    <a:ea typeface="Calibri" panose="020F0502020204030204" pitchFamily="34" charset="0"/>
-                    <a:cs typeface="Times New Roman" panose="02020603050405020304" pitchFamily="18" charset="0"/>
-                  </a:rPr>
-                  <a:t>MA</a:t>
-                </a:r>
-                <a:r>
-                  <a:rPr lang="ru-RU" dirty="0">
-                    <a:ea typeface="Calibri" panose="020F0502020204030204" pitchFamily="34" charset="0"/>
-                    <a:cs typeface="Times New Roman" panose="02020603050405020304" pitchFamily="18" charset="0"/>
-                  </a:rPr>
-                  <a:t> часть модели</a:t>
-                </a:r>
-              </a:p>
-              <a:p>
-                <a:pPr marL="960438" lvl="2" indent="-457200">
-                  <a:buFont typeface="+mj-lt"/>
-                  <a:buAutoNum type="arabicPeriod"/>
-                </a:pPr>
-                <a:endParaRPr lang="ru-RU" b="1" dirty="0">
-                  <a:ea typeface="Calibri" panose="020F0502020204030204" pitchFamily="34" charset="0"/>
-                  <a:cs typeface="Times New Roman" panose="02020603050405020304" pitchFamily="18" charset="0"/>
-                </a:endParaRPr>
-              </a:p>
-              <a:p>
-                <a:pPr marL="960438" lvl="2" indent="-457200">
-                  <a:buFont typeface="+mj-lt"/>
-                  <a:buAutoNum type="arabicPeriod"/>
-                </a:pPr>
-                <a:endParaRPr lang="ru-RU" b="1" dirty="0">
-                  <a:ea typeface="Calibri" panose="020F0502020204030204" pitchFamily="34" charset="0"/>
-                  <a:cs typeface="Times New Roman" panose="02020603050405020304" pitchFamily="18" charset="0"/>
-                </a:endParaRPr>
-              </a:p>
-              <a:p>
-                <a:pPr marL="914400" lvl="1" indent="-457200">
-                  <a:buFont typeface="+mj-lt"/>
-                  <a:buAutoNum type="arabicPeriod"/>
-                </a:pPr>
-                <a:endParaRPr lang="ru-RU" sz="2000" dirty="0">
-                  <a:cs typeface="Times New Roman" panose="02020603050405020304" pitchFamily="18" charset="0"/>
-                </a:endParaRPr>
-              </a:p>
-              <a:p>
-                <a:pPr marL="914400" lvl="1" indent="-457200">
-                  <a:buFont typeface="+mj-lt"/>
-                  <a:buAutoNum type="arabicPeriod"/>
-                </a:pPr>
-                <a:endParaRPr lang="ru-RU" sz="2000" dirty="0">
-                  <a:cs typeface="Times New Roman" panose="02020603050405020304" pitchFamily="18" charset="0"/>
-                </a:endParaRPr>
-              </a:p>
-              <a:p>
-                <a:pPr marL="914400" lvl="1" indent="-457200">
-                  <a:buFont typeface="+mj-lt"/>
-                  <a:buAutoNum type="arabicPeriod"/>
-                </a:pPr>
-                <a:endParaRPr lang="ru-RU" sz="1900" dirty="0">
-                  <a:ea typeface="Calibri" panose="020F0502020204030204" pitchFamily="34" charset="0"/>
-                  <a:cs typeface="Times New Roman" panose="02020603050405020304" pitchFamily="18" charset="0"/>
-                </a:endParaRPr>
-              </a:p>
-              <a:p>
-                <a:pPr marL="914400" lvl="1" indent="-457200">
-                  <a:buFont typeface="+mj-lt"/>
-                  <a:buAutoNum type="arabicPeriod"/>
-                </a:pPr>
-                <a:endParaRPr lang="ru-RU" sz="1900" dirty="0">
-                  <a:ea typeface="Calibri" panose="020F0502020204030204" pitchFamily="34" charset="0"/>
-                  <a:cs typeface="Times New Roman" panose="02020603050405020304" pitchFamily="18" charset="0"/>
-                </a:endParaRPr>
-              </a:p>
-              <a:p>
-                <a:pPr marL="914400" lvl="1" indent="-457200">
-                  <a:buFont typeface="+mj-lt"/>
-                  <a:buAutoNum type="arabicPeriod"/>
-                </a:pPr>
-                <a:endParaRPr lang="ru-RU" sz="1900" b="1" dirty="0">
-                  <a:ea typeface="Calibri" panose="020F0502020204030204" pitchFamily="34" charset="0"/>
-                  <a:cs typeface="Times New Roman" panose="02020603050405020304" pitchFamily="18" charset="0"/>
-                </a:endParaRPr>
-              </a:p>
-            </p:txBody>
-          </p:sp>
-        </mc:Choice>
-        <mc:Fallback xmlns="">
-          <p:sp>
-            <p:nvSpPr>
-              <p:cNvPr id="3" name="Объект 2">
-                <a:extLst>
-                  <a:ext uri="{FF2B5EF4-FFF2-40B4-BE49-F238E27FC236}">
-                    <a16:creationId xmlns:a16="http://schemas.microsoft.com/office/drawing/2014/main" id="{BE421393-E6D9-4C04-F323-217F01E33B93}"/>
-                  </a:ext>
-                </a:extLst>
-              </p:cNvPr>
-              <p:cNvSpPr>
-                <a:spLocks noGrp="1" noRot="1" noChangeAspect="1" noMove="1" noResize="1" noEditPoints="1" noAdjustHandles="1" noChangeArrowheads="1" noChangeShapeType="1" noTextEdit="1"/>
-              </p:cNvSpPr>
-              <p:nvPr>
-                <p:ph idx="1"/>
-              </p:nvPr>
-            </p:nvSpPr>
-            <p:spPr>
-              <a:xfrm>
-                <a:off x="398928" y="1075308"/>
-                <a:ext cx="11282083" cy="5666151"/>
-              </a:xfrm>
-              <a:blipFill>
-                <a:blip r:embed="rId2"/>
-                <a:stretch>
-                  <a:fillRect l="-562" t="-1790"/>
-                </a:stretch>
-              </a:blipFill>
-            </p:spPr>
-            <p:txBody>
-              <a:bodyPr/>
-              <a:lstStyle/>
-              <a:p>
-                <a:r>
-                  <a:rPr lang="ru-RU">
-                    <a:noFill/>
-                  </a:rPr>
-                  <a:t> </a:t>
-                </a:r>
-              </a:p>
-            </p:txBody>
-          </p:sp>
-        </mc:Fallback>
-      </mc:AlternateContent>
-    </p:spTree>
-    <p:extLst>
-      <p:ext uri="{BB962C8B-B14F-4D97-AF65-F5344CB8AC3E}">
-        <p14:creationId xmlns:p14="http://schemas.microsoft.com/office/powerpoint/2010/main" val="3077258543"/>
-      </p:ext>
-    </p:extLst>
-  </p:cSld>
-  <p:clrMapOvr>
-    <a:masterClrMapping/>
-  </p:clrMapOvr>
 </p:sld>
 </file>
 
@@ -9409,8 +8326,8 @@
           </p:sp>
         </mc:Fallback>
       </mc:AlternateContent>
-      <mc:AlternateContent xmlns:mc="http://schemas.openxmlformats.org/markup-compatibility/2006">
-        <mc:Choice xmlns:a14="http://schemas.microsoft.com/office/drawing/2010/main" Requires="a14">
+      <mc:AlternateContent xmlns:mc="http://schemas.openxmlformats.org/markup-compatibility/2006" xmlns:a14="http://schemas.microsoft.com/office/drawing/2010/main">
+        <mc:Choice Requires="a14">
           <p:sp>
             <p:nvSpPr>
               <p:cNvPr id="4" name="Прямоугольник 3"/>
@@ -10047,7 +8964,7 @@
             </p:txBody>
           </p:sp>
         </mc:Choice>
-        <mc:Fallback>
+        <mc:Fallback xmlns="">
           <p:sp>
             <p:nvSpPr>
               <p:cNvPr id="4" name="Прямоугольник 3"/>
